--- a/2-Steeltoe Capabilities.pptx
+++ b/2-Steeltoe Capabilities.pptx
@@ -5,7 +5,7 @@
     <p:sldMasterId id="2147483659" r:id="rId1"/>
   </p:sldMasterIdLst>
   <p:notesMasterIdLst>
-    <p:notesMasterId r:id="rId23"/>
+    <p:notesMasterId r:id="rId22"/>
   </p:notesMasterIdLst>
   <p:sldIdLst>
     <p:sldId id="256" r:id="rId2"/>
@@ -22,13 +22,12 @@
     <p:sldId id="272" r:id="rId13"/>
     <p:sldId id="274" r:id="rId14"/>
     <p:sldId id="276" r:id="rId15"/>
-    <p:sldId id="277" r:id="rId16"/>
-    <p:sldId id="278" r:id="rId17"/>
-    <p:sldId id="279" r:id="rId18"/>
-    <p:sldId id="280" r:id="rId19"/>
-    <p:sldId id="281" r:id="rId20"/>
-    <p:sldId id="282" r:id="rId21"/>
-    <p:sldId id="283" r:id="rId22"/>
+    <p:sldId id="278" r:id="rId16"/>
+    <p:sldId id="279" r:id="rId17"/>
+    <p:sldId id="280" r:id="rId18"/>
+    <p:sldId id="281" r:id="rId19"/>
+    <p:sldId id="282" r:id="rId20"/>
+    <p:sldId id="283" r:id="rId21"/>
   </p:sldIdLst>
   <p:sldSz cx="9144000" cy="5143500" type="screen16x9"/>
   <p:notesSz cx="6858000" cy="9144000"/>
@@ -2082,7 +2081,7 @@
   <p:cSld>
     <p:spTree>
       <p:nvGrpSpPr>
-        <p:cNvPr id="1" name="Shape 331"/>
+        <p:cNvPr id="1" name="Shape 345"/>
         <p:cNvGrpSpPr/>
         <p:nvPr/>
       </p:nvGrpSpPr>
@@ -2096,7 +2095,7 @@
       </p:grpSpPr>
       <p:sp>
         <p:nvSpPr>
-          <p:cNvPr id="332" name="Google Shape;332;g1d6e10110d_0_565:notes"/>
+          <p:cNvPr id="346" name="Google Shape;346;g24fd51d678_0_0:notes"/>
           <p:cNvSpPr>
             <a:spLocks noGrp="1" noRot="1" noChangeAspect="1"/>
           </p:cNvSpPr>
@@ -2137,7 +2136,7 @@
       </p:sp>
       <p:sp>
         <p:nvSpPr>
-          <p:cNvPr id="333" name="Google Shape;333;g1d6e10110d_0_565:notes"/>
+          <p:cNvPr id="347" name="Google Shape;347;g24fd51d678_0_0:notes"/>
           <p:cNvSpPr txBox="1">
             <a:spLocks noGrp="1"/>
           </p:cNvSpPr>
@@ -2170,11 +2169,6 @@
               <a:spcAft>
                 <a:spcPts val="0"/>
               </a:spcAft>
-              <a:buClr>
-                <a:schemeClr val="dk1"/>
-              </a:buClr>
-              <a:buSzPts val="1100"/>
-              <a:buFont typeface="Arial"/>
               <a:buNone/>
             </a:pPr>
             <a:r>
@@ -2186,7 +2180,7 @@
                   <a:srgbClr val="FFFFFF"/>
                 </a:highlight>
               </a:rPr>
-              <a:t>Steeltoe provides a number of Security related services that simplify using Cloud Foundry based OAuth2 security services in ASP.NET Core applications.</a:t>
+              <a:t>Steeltoe helps you manage and troubleshoot your application by exposing standard (from Spring Boot) management endpoints (aka Spring Boot Actuators)</a:t>
             </a:r>
             <a:endParaRPr>
               <a:solidFill>
@@ -2208,11 +2202,6 @@
               <a:spcAft>
                 <a:spcPts val="0"/>
               </a:spcAft>
-              <a:buClr>
-                <a:schemeClr val="dk1"/>
-              </a:buClr>
-              <a:buSzPts val="1100"/>
-              <a:buFont typeface="Arial"/>
               <a:buNone/>
             </a:pPr>
             <a:r>
@@ -2224,116 +2213,7 @@
                   <a:srgbClr val="FFFFFF"/>
                 </a:highlight>
               </a:rPr>
-              <a:t>There are two providers to choose from when adding Cloud Foundry security integration:</a:t>
-            </a:r>
-            <a:endParaRPr>
-              <a:solidFill>
-                <a:srgbClr val="111111"/>
-              </a:solidFill>
-              <a:highlight>
-                <a:srgbClr val="FFFFFF"/>
-              </a:highlight>
-            </a:endParaRPr>
-          </a:p>
-          <a:p>
-            <a:pPr marL="457200" lvl="0" indent="-298450" algn="l" rtl="0">
-              <a:lnSpc>
-                <a:spcPct val="115000"/>
-              </a:lnSpc>
-              <a:spcBef>
-                <a:spcPts val="1100"/>
-              </a:spcBef>
-              <a:spcAft>
-                <a:spcPts val="0"/>
-              </a:spcAft>
-              <a:buClr>
-                <a:srgbClr val="111111"/>
-              </a:buClr>
-              <a:buSzPts val="1100"/>
-              <a:buFont typeface="Arial"/>
-              <a:buChar char="●"/>
-            </a:pPr>
-            <a:r>
-              <a:rPr lang="en">
-                <a:solidFill>
-                  <a:srgbClr val="111111"/>
-                </a:solidFill>
-                <a:highlight>
-                  <a:srgbClr val="FFFFFF"/>
-                </a:highlight>
-              </a:rPr>
-              <a:t>A provider that enables OAuth2 Single Sign-on with Cloud Foundry Security services.</a:t>
-            </a:r>
-            <a:endParaRPr>
-              <a:solidFill>
-                <a:srgbClr val="111111"/>
-              </a:solidFill>
-              <a:highlight>
-                <a:srgbClr val="FFFFFF"/>
-              </a:highlight>
-            </a:endParaRPr>
-          </a:p>
-          <a:p>
-            <a:pPr marL="457200" lvl="0" indent="-298450" algn="l" rtl="0">
-              <a:lnSpc>
-                <a:spcPct val="115000"/>
-              </a:lnSpc>
-              <a:spcBef>
-                <a:spcPts val="0"/>
-              </a:spcBef>
-              <a:spcAft>
-                <a:spcPts val="0"/>
-              </a:spcAft>
-              <a:buClr>
-                <a:srgbClr val="111111"/>
-              </a:buClr>
-              <a:buSzPts val="1100"/>
-              <a:buFont typeface="Arial"/>
-              <a:buChar char="●"/>
-            </a:pPr>
-            <a:r>
-              <a:rPr lang="en">
-                <a:solidFill>
-                  <a:srgbClr val="111111"/>
-                </a:solidFill>
-                <a:highlight>
-                  <a:srgbClr val="FFFFFF"/>
-                </a:highlight>
-              </a:rPr>
-              <a:t>A provider that enables using JWT tokens issued by Cloud Foundry Security services for securing access to REST resources/endpoints.</a:t>
-            </a:r>
-            <a:endParaRPr>
-              <a:solidFill>
-                <a:srgbClr val="111111"/>
-              </a:solidFill>
-              <a:highlight>
-                <a:srgbClr val="FFFFFF"/>
-              </a:highlight>
-            </a:endParaRPr>
-          </a:p>
-          <a:p>
-            <a:pPr marL="0" lvl="0" indent="0" algn="l" rtl="0">
-              <a:lnSpc>
-                <a:spcPct val="115000"/>
-              </a:lnSpc>
-              <a:spcBef>
-                <a:spcPts val="1100"/>
-              </a:spcBef>
-              <a:spcAft>
-                <a:spcPts val="0"/>
-              </a:spcAft>
-              <a:buNone/>
-            </a:pPr>
-            <a:r>
-              <a:rPr lang="en">
-                <a:solidFill>
-                  <a:srgbClr val="111111"/>
-                </a:solidFill>
-                <a:highlight>
-                  <a:srgbClr val="FFFFFF"/>
-                </a:highlight>
-              </a:rPr>
-              <a:t>In addition to the two providers above, Steeltoe also makes available an additional security provider which allows you to easily use a Cloud Foundry based Redis service for ASP.NET Core Data Protection Key Ring storage. By default, ASP.NET Core stores the key ring on the local file system. In a Cloud Foundry environment, this of course is un-workable and violates the twelve-factor guidelines for developing cloud native applications. Using the Steeltoe Redis Key Storage provider, you can reconfigure Data Protection service to use Redis on Cloud Foundry for storage.</a:t>
+              <a:t>In Steeltoe 1.1 we will include these 4 endpoints that will automatically get bound to your application</a:t>
             </a:r>
             <a:endParaRPr>
               <a:solidFill>
@@ -2367,176 +2247,6 @@
 </file>
 
 <file path=ppt/notesSlides/notesSlide16.xml><?xml version="1.0" encoding="utf-8"?>
-<p:notes xmlns:a="http://schemas.openxmlformats.org/drawingml/2006/main" xmlns:r="http://schemas.openxmlformats.org/officeDocument/2006/relationships" xmlns:p="http://schemas.openxmlformats.org/presentationml/2006/main" showMasterSp="0" showMasterPhAnim="0">
-  <p:cSld>
-    <p:spTree>
-      <p:nvGrpSpPr>
-        <p:cNvPr id="1" name="Shape 345"/>
-        <p:cNvGrpSpPr/>
-        <p:nvPr/>
-      </p:nvGrpSpPr>
-      <p:grpSpPr>
-        <a:xfrm>
-          <a:off x="0" y="0"/>
-          <a:ext cx="0" cy="0"/>
-          <a:chOff x="0" y="0"/>
-          <a:chExt cx="0" cy="0"/>
-        </a:xfrm>
-      </p:grpSpPr>
-      <p:sp>
-        <p:nvSpPr>
-          <p:cNvPr id="346" name="Google Shape;346;g24fd51d678_0_0:notes"/>
-          <p:cNvSpPr>
-            <a:spLocks noGrp="1" noRot="1" noChangeAspect="1"/>
-          </p:cNvSpPr>
-          <p:nvPr>
-            <p:ph type="sldImg" idx="2"/>
-          </p:nvPr>
-        </p:nvSpPr>
-        <p:spPr>
-          <a:xfrm>
-            <a:off x="381000" y="685800"/>
-            <a:ext cx="6096000" cy="3429000"/>
-          </a:xfrm>
-          <a:custGeom>
-            <a:avLst/>
-            <a:gdLst/>
-            <a:ahLst/>
-            <a:cxnLst/>
-            <a:rect l="l" t="t" r="r" b="b"/>
-            <a:pathLst>
-              <a:path w="120000" h="120000" extrusionOk="0">
-                <a:moveTo>
-                  <a:pt x="0" y="0"/>
-                </a:moveTo>
-                <a:lnTo>
-                  <a:pt x="120000" y="0"/>
-                </a:lnTo>
-                <a:lnTo>
-                  <a:pt x="120000" y="120000"/>
-                </a:lnTo>
-                <a:lnTo>
-                  <a:pt x="0" y="120000"/>
-                </a:lnTo>
-                <a:close/>
-              </a:path>
-            </a:pathLst>
-          </a:custGeom>
-        </p:spPr>
-      </p:sp>
-      <p:sp>
-        <p:nvSpPr>
-          <p:cNvPr id="347" name="Google Shape;347;g24fd51d678_0_0:notes"/>
-          <p:cNvSpPr txBox="1">
-            <a:spLocks noGrp="1"/>
-          </p:cNvSpPr>
-          <p:nvPr>
-            <p:ph type="body" idx="1"/>
-          </p:nvPr>
-        </p:nvSpPr>
-        <p:spPr>
-          <a:xfrm>
-            <a:off x="685800" y="4343400"/>
-            <a:ext cx="5486400" cy="4114800"/>
-          </a:xfrm>
-          <a:prstGeom prst="rect">
-            <a:avLst/>
-          </a:prstGeom>
-        </p:spPr>
-        <p:txBody>
-          <a:bodyPr spcFirstLastPara="1" wrap="square" lIns="91425" tIns="91425" rIns="91425" bIns="91425" anchor="t" anchorCtr="0">
-            <a:noAutofit/>
-          </a:bodyPr>
-          <a:lstStyle/>
-          <a:p>
-            <a:pPr marL="0" lvl="0" indent="0" algn="l" rtl="0">
-              <a:lnSpc>
-                <a:spcPct val="115000"/>
-              </a:lnSpc>
-              <a:spcBef>
-                <a:spcPts val="1100"/>
-              </a:spcBef>
-              <a:spcAft>
-                <a:spcPts val="0"/>
-              </a:spcAft>
-              <a:buNone/>
-            </a:pPr>
-            <a:r>
-              <a:rPr lang="en">
-                <a:solidFill>
-                  <a:srgbClr val="111111"/>
-                </a:solidFill>
-                <a:highlight>
-                  <a:srgbClr val="FFFFFF"/>
-                </a:highlight>
-              </a:rPr>
-              <a:t>Steeltoe helps you manage and troubleshoot your application by exposing standard (from Spring Boot) management endpoints (aka Spring Boot Actuators)</a:t>
-            </a:r>
-            <a:endParaRPr>
-              <a:solidFill>
-                <a:srgbClr val="111111"/>
-              </a:solidFill>
-              <a:highlight>
-                <a:srgbClr val="FFFFFF"/>
-              </a:highlight>
-            </a:endParaRPr>
-          </a:p>
-          <a:p>
-            <a:pPr marL="0" lvl="0" indent="0" algn="l" rtl="0">
-              <a:lnSpc>
-                <a:spcPct val="115000"/>
-              </a:lnSpc>
-              <a:spcBef>
-                <a:spcPts val="1100"/>
-              </a:spcBef>
-              <a:spcAft>
-                <a:spcPts val="0"/>
-              </a:spcAft>
-              <a:buNone/>
-            </a:pPr>
-            <a:r>
-              <a:rPr lang="en">
-                <a:solidFill>
-                  <a:srgbClr val="111111"/>
-                </a:solidFill>
-                <a:highlight>
-                  <a:srgbClr val="FFFFFF"/>
-                </a:highlight>
-              </a:rPr>
-              <a:t>In Steeltoe 1.1 we will include these 4 endpoints that will automatically get bound to your application</a:t>
-            </a:r>
-            <a:endParaRPr>
-              <a:solidFill>
-                <a:srgbClr val="111111"/>
-              </a:solidFill>
-              <a:highlight>
-                <a:srgbClr val="FFFFFF"/>
-              </a:highlight>
-            </a:endParaRPr>
-          </a:p>
-          <a:p>
-            <a:pPr marL="0" lvl="0" indent="0" algn="l" rtl="0">
-              <a:spcBef>
-                <a:spcPts val="1100"/>
-              </a:spcBef>
-              <a:spcAft>
-                <a:spcPts val="0"/>
-              </a:spcAft>
-              <a:buNone/>
-            </a:pPr>
-            <a:endParaRPr/>
-          </a:p>
-        </p:txBody>
-      </p:sp>
-    </p:spTree>
-  </p:cSld>
-  <p:clrMapOvr>
-    <a:masterClrMapping/>
-  </p:clrMapOvr>
-</p:notes>
-</file>
-
-<file path=ppt/notesSlides/notesSlide17.xml><?xml version="1.0" encoding="utf-8"?>
 <p:notes xmlns:a="http://schemas.openxmlformats.org/drawingml/2006/main" xmlns:r="http://schemas.openxmlformats.org/officeDocument/2006/relationships" xmlns:p="http://schemas.openxmlformats.org/presentationml/2006/main" showMasterSp="0" showMasterPhAnim="0">
   <p:cSld>
     <p:spTree>
@@ -2644,7 +2354,7 @@
 </p:notes>
 </file>
 
-<file path=ppt/notesSlides/notesSlide18.xml><?xml version="1.0" encoding="utf-8"?>
+<file path=ppt/notesSlides/notesSlide17.xml><?xml version="1.0" encoding="utf-8"?>
 <p:notes xmlns:a="http://schemas.openxmlformats.org/drawingml/2006/main" xmlns:r="http://schemas.openxmlformats.org/officeDocument/2006/relationships" xmlns:p="http://schemas.openxmlformats.org/presentationml/2006/main" showMasterSp="0" showMasterPhAnim="0">
   <p:cSld>
     <p:spTree>
@@ -2748,7 +2458,7 @@
 </p:notes>
 </file>
 
-<file path=ppt/notesSlides/notesSlide19.xml><?xml version="1.0" encoding="utf-8"?>
+<file path=ppt/notesSlides/notesSlide18.xml><?xml version="1.0" encoding="utf-8"?>
 <p:notes xmlns:a="http://schemas.openxmlformats.org/drawingml/2006/main" xmlns:r="http://schemas.openxmlformats.org/officeDocument/2006/relationships" xmlns:p="http://schemas.openxmlformats.org/presentationml/2006/main" showMasterSp="0" showMasterPhAnim="0">
   <p:cSld>
     <p:spTree>
@@ -2844,6 +2554,133 @@
               <a:rPr lang="en"/>
               <a:t>2.0.0 coming soon </a:t>
             </a:r>
+            <a:endParaRPr/>
+          </a:p>
+        </p:txBody>
+      </p:sp>
+    </p:spTree>
+  </p:cSld>
+  <p:clrMapOvr>
+    <a:masterClrMapping/>
+  </p:clrMapOvr>
+</p:notes>
+</file>
+
+<file path=ppt/notesSlides/notesSlide19.xml><?xml version="1.0" encoding="utf-8"?>
+<p:notes xmlns:a="http://schemas.openxmlformats.org/drawingml/2006/main" xmlns:r="http://schemas.openxmlformats.org/officeDocument/2006/relationships" xmlns:p="http://schemas.openxmlformats.org/presentationml/2006/main" showMasterSp="0" showMasterPhAnim="0">
+  <p:cSld>
+    <p:spTree>
+      <p:nvGrpSpPr>
+        <p:cNvPr id="1" name="Shape 398"/>
+        <p:cNvGrpSpPr/>
+        <p:nvPr/>
+      </p:nvGrpSpPr>
+      <p:grpSpPr>
+        <a:xfrm>
+          <a:off x="0" y="0"/>
+          <a:ext cx="0" cy="0"/>
+          <a:chOff x="0" y="0"/>
+          <a:chExt cx="0" cy="0"/>
+        </a:xfrm>
+      </p:grpSpPr>
+      <p:sp>
+        <p:nvSpPr>
+          <p:cNvPr id="399" name="Google Shape;399;g1d6e10110d_0_159:notes"/>
+          <p:cNvSpPr>
+            <a:spLocks noGrp="1" noRot="1" noChangeAspect="1"/>
+          </p:cNvSpPr>
+          <p:nvPr>
+            <p:ph type="sldImg" idx="2"/>
+          </p:nvPr>
+        </p:nvSpPr>
+        <p:spPr>
+          <a:xfrm>
+            <a:off x="381000" y="685800"/>
+            <a:ext cx="6096000" cy="3429000"/>
+          </a:xfrm>
+          <a:custGeom>
+            <a:avLst/>
+            <a:gdLst/>
+            <a:ahLst/>
+            <a:cxnLst/>
+            <a:rect l="l" t="t" r="r" b="b"/>
+            <a:pathLst>
+              <a:path w="120000" h="120000" extrusionOk="0">
+                <a:moveTo>
+                  <a:pt x="0" y="0"/>
+                </a:moveTo>
+                <a:lnTo>
+                  <a:pt x="120000" y="0"/>
+                </a:lnTo>
+                <a:lnTo>
+                  <a:pt x="120000" y="120000"/>
+                </a:lnTo>
+                <a:lnTo>
+                  <a:pt x="0" y="120000"/>
+                </a:lnTo>
+                <a:close/>
+              </a:path>
+            </a:pathLst>
+          </a:custGeom>
+        </p:spPr>
+      </p:sp>
+      <p:sp>
+        <p:nvSpPr>
+          <p:cNvPr id="400" name="Google Shape;400;g1d6e10110d_0_159:notes"/>
+          <p:cNvSpPr txBox="1">
+            <a:spLocks noGrp="1"/>
+          </p:cNvSpPr>
+          <p:nvPr>
+            <p:ph type="body" idx="1"/>
+          </p:nvPr>
+        </p:nvSpPr>
+        <p:spPr>
+          <a:xfrm>
+            <a:off x="685800" y="4343400"/>
+            <a:ext cx="5486400" cy="4114800"/>
+          </a:xfrm>
+          <a:prstGeom prst="rect">
+            <a:avLst/>
+          </a:prstGeom>
+        </p:spPr>
+        <p:txBody>
+          <a:bodyPr spcFirstLastPara="1" wrap="square" lIns="91425" tIns="91425" rIns="91425" bIns="91425" anchor="t" anchorCtr="0">
+            <a:noAutofit/>
+          </a:bodyPr>
+          <a:lstStyle/>
+          <a:p>
+            <a:pPr marL="0" lvl="0" indent="0" algn="l" rtl="0">
+              <a:spcBef>
+                <a:spcPts val="0"/>
+              </a:spcBef>
+              <a:spcAft>
+                <a:spcPts val="0"/>
+              </a:spcAft>
+              <a:buNone/>
+            </a:pPr>
+            <a:r>
+              <a:rPr lang="en"/>
+              <a:t>Currently the Eureka client uses a random function to load balance calls to apps.</a:t>
+            </a:r>
+            <a:br>
+              <a:rPr lang="en"/>
+            </a:br>
+            <a:r>
+              <a:rPr lang="en"/>
+              <a:t>Ribbon would introduce Round-Robin (and other pluggable load balancing algorithms)</a:t>
+            </a:r>
+            <a:endParaRPr/>
+          </a:p>
+          <a:p>
+            <a:pPr marL="0" lvl="0" indent="0" algn="l" rtl="0">
+              <a:spcBef>
+                <a:spcPts val="0"/>
+              </a:spcBef>
+              <a:spcAft>
+                <a:spcPts val="0"/>
+              </a:spcAft>
+              <a:buNone/>
+            </a:pPr>
             <a:endParaRPr/>
           </a:p>
         </p:txBody>
@@ -3089,133 +2926,6 @@
 </file>
 
 <file path=ppt/notesSlides/notesSlide20.xml><?xml version="1.0" encoding="utf-8"?>
-<p:notes xmlns:a="http://schemas.openxmlformats.org/drawingml/2006/main" xmlns:r="http://schemas.openxmlformats.org/officeDocument/2006/relationships" xmlns:p="http://schemas.openxmlformats.org/presentationml/2006/main" showMasterSp="0" showMasterPhAnim="0">
-  <p:cSld>
-    <p:spTree>
-      <p:nvGrpSpPr>
-        <p:cNvPr id="1" name="Shape 398"/>
-        <p:cNvGrpSpPr/>
-        <p:nvPr/>
-      </p:nvGrpSpPr>
-      <p:grpSpPr>
-        <a:xfrm>
-          <a:off x="0" y="0"/>
-          <a:ext cx="0" cy="0"/>
-          <a:chOff x="0" y="0"/>
-          <a:chExt cx="0" cy="0"/>
-        </a:xfrm>
-      </p:grpSpPr>
-      <p:sp>
-        <p:nvSpPr>
-          <p:cNvPr id="399" name="Google Shape;399;g1d6e10110d_0_159:notes"/>
-          <p:cNvSpPr>
-            <a:spLocks noGrp="1" noRot="1" noChangeAspect="1"/>
-          </p:cNvSpPr>
-          <p:nvPr>
-            <p:ph type="sldImg" idx="2"/>
-          </p:nvPr>
-        </p:nvSpPr>
-        <p:spPr>
-          <a:xfrm>
-            <a:off x="381000" y="685800"/>
-            <a:ext cx="6096000" cy="3429000"/>
-          </a:xfrm>
-          <a:custGeom>
-            <a:avLst/>
-            <a:gdLst/>
-            <a:ahLst/>
-            <a:cxnLst/>
-            <a:rect l="l" t="t" r="r" b="b"/>
-            <a:pathLst>
-              <a:path w="120000" h="120000" extrusionOk="0">
-                <a:moveTo>
-                  <a:pt x="0" y="0"/>
-                </a:moveTo>
-                <a:lnTo>
-                  <a:pt x="120000" y="0"/>
-                </a:lnTo>
-                <a:lnTo>
-                  <a:pt x="120000" y="120000"/>
-                </a:lnTo>
-                <a:lnTo>
-                  <a:pt x="0" y="120000"/>
-                </a:lnTo>
-                <a:close/>
-              </a:path>
-            </a:pathLst>
-          </a:custGeom>
-        </p:spPr>
-      </p:sp>
-      <p:sp>
-        <p:nvSpPr>
-          <p:cNvPr id="400" name="Google Shape;400;g1d6e10110d_0_159:notes"/>
-          <p:cNvSpPr txBox="1">
-            <a:spLocks noGrp="1"/>
-          </p:cNvSpPr>
-          <p:nvPr>
-            <p:ph type="body" idx="1"/>
-          </p:nvPr>
-        </p:nvSpPr>
-        <p:spPr>
-          <a:xfrm>
-            <a:off x="685800" y="4343400"/>
-            <a:ext cx="5486400" cy="4114800"/>
-          </a:xfrm>
-          <a:prstGeom prst="rect">
-            <a:avLst/>
-          </a:prstGeom>
-        </p:spPr>
-        <p:txBody>
-          <a:bodyPr spcFirstLastPara="1" wrap="square" lIns="91425" tIns="91425" rIns="91425" bIns="91425" anchor="t" anchorCtr="0">
-            <a:noAutofit/>
-          </a:bodyPr>
-          <a:lstStyle/>
-          <a:p>
-            <a:pPr marL="0" lvl="0" indent="0" algn="l" rtl="0">
-              <a:spcBef>
-                <a:spcPts val="0"/>
-              </a:spcBef>
-              <a:spcAft>
-                <a:spcPts val="0"/>
-              </a:spcAft>
-              <a:buNone/>
-            </a:pPr>
-            <a:r>
-              <a:rPr lang="en"/>
-              <a:t>Currently the Eureka client uses a random function to load balance calls to apps.</a:t>
-            </a:r>
-            <a:br>
-              <a:rPr lang="en"/>
-            </a:br>
-            <a:r>
-              <a:rPr lang="en"/>
-              <a:t>Ribbon would introduce Round-Robin (and other pluggable load balancing algorithms)</a:t>
-            </a:r>
-            <a:endParaRPr/>
-          </a:p>
-          <a:p>
-            <a:pPr marL="0" lvl="0" indent="0" algn="l" rtl="0">
-              <a:spcBef>
-                <a:spcPts val="0"/>
-              </a:spcBef>
-              <a:spcAft>
-                <a:spcPts val="0"/>
-              </a:spcAft>
-              <a:buNone/>
-            </a:pPr>
-            <a:endParaRPr/>
-          </a:p>
-        </p:txBody>
-      </p:sp>
-    </p:spTree>
-  </p:cSld>
-  <p:clrMapOvr>
-    <a:masterClrMapping/>
-  </p:clrMapOvr>
-</p:notes>
-</file>
-
-<file path=ppt/notesSlides/notesSlide21.xml><?xml version="1.0" encoding="utf-8"?>
 <p:notes xmlns:a="http://schemas.openxmlformats.org/drawingml/2006/main" xmlns:r="http://schemas.openxmlformats.org/officeDocument/2006/relationships" xmlns:p="http://schemas.openxmlformats.org/presentationml/2006/main" showMasterSp="0" showMasterPhAnim="0">
   <p:cSld>
     <p:spTree>
@@ -12595,549 +12305,6 @@
   <p:cSld>
     <p:spTree>
       <p:nvGrpSpPr>
-        <p:cNvPr id="1" name="Shape 334"/>
-        <p:cNvGrpSpPr/>
-        <p:nvPr/>
-      </p:nvGrpSpPr>
-      <p:grpSpPr>
-        <a:xfrm>
-          <a:off x="0" y="0"/>
-          <a:ext cx="0" cy="0"/>
-          <a:chOff x="0" y="0"/>
-          <a:chExt cx="0" cy="0"/>
-        </a:xfrm>
-      </p:grpSpPr>
-      <p:pic>
-        <p:nvPicPr>
-          <p:cNvPr id="335" name="Google Shape;335;p34"/>
-          <p:cNvPicPr preferRelativeResize="0"/>
-          <p:nvPr/>
-        </p:nvPicPr>
-        <p:blipFill>
-          <a:blip r:embed="rId3">
-            <a:alphaModFix/>
-          </a:blip>
-          <a:stretch>
-            <a:fillRect/>
-          </a:stretch>
-        </p:blipFill>
-        <p:spPr>
-          <a:xfrm>
-            <a:off x="8565975" y="4616763"/>
-            <a:ext cx="449975" cy="449975"/>
-          </a:xfrm>
-          <a:prstGeom prst="rect">
-            <a:avLst/>
-          </a:prstGeom>
-          <a:noFill/>
-          <a:ln>
-            <a:noFill/>
-          </a:ln>
-        </p:spPr>
-      </p:pic>
-      <p:sp>
-        <p:nvSpPr>
-          <p:cNvPr id="336" name="Google Shape;336;p34"/>
-          <p:cNvSpPr txBox="1">
-            <a:spLocks noGrp="1"/>
-          </p:cNvSpPr>
-          <p:nvPr>
-            <p:ph type="title"/>
-          </p:nvPr>
-        </p:nvSpPr>
-        <p:spPr>
-          <a:xfrm>
-            <a:off x="311700" y="445025"/>
-            <a:ext cx="8520600" cy="572700"/>
-          </a:xfrm>
-          <a:prstGeom prst="rect">
-            <a:avLst/>
-          </a:prstGeom>
-        </p:spPr>
-        <p:txBody>
-          <a:bodyPr spcFirstLastPara="1" wrap="square" lIns="91425" tIns="91425" rIns="91425" bIns="91425" anchor="t" anchorCtr="0">
-            <a:noAutofit/>
-          </a:bodyPr>
-          <a:lstStyle/>
-          <a:p>
-            <a:pPr marL="0" lvl="0" indent="0" algn="l" rtl="0">
-              <a:spcBef>
-                <a:spcPts val="0"/>
-              </a:spcBef>
-              <a:spcAft>
-                <a:spcPts val="0"/>
-              </a:spcAft>
-              <a:buNone/>
-            </a:pPr>
-            <a:r>
-              <a:rPr lang="en">
-                <a:solidFill>
-                  <a:srgbClr val="0B5394"/>
-                </a:solidFill>
-              </a:rPr>
-              <a:t>Security Providers</a:t>
-            </a:r>
-            <a:endParaRPr>
-              <a:solidFill>
-                <a:srgbClr val="0B5394"/>
-              </a:solidFill>
-            </a:endParaRPr>
-          </a:p>
-        </p:txBody>
-      </p:sp>
-      <p:sp>
-        <p:nvSpPr>
-          <p:cNvPr id="337" name="Google Shape;337;p34"/>
-          <p:cNvSpPr txBox="1">
-            <a:spLocks noGrp="1"/>
-          </p:cNvSpPr>
-          <p:nvPr>
-            <p:ph type="body" idx="1"/>
-          </p:nvPr>
-        </p:nvSpPr>
-        <p:spPr>
-          <a:xfrm>
-            <a:off x="577600" y="1658050"/>
-            <a:ext cx="3802800" cy="2169000"/>
-          </a:xfrm>
-          <a:prstGeom prst="rect">
-            <a:avLst/>
-          </a:prstGeom>
-        </p:spPr>
-        <p:txBody>
-          <a:bodyPr spcFirstLastPara="1" wrap="square" lIns="91425" tIns="91425" rIns="91425" bIns="91425" anchor="t" anchorCtr="0">
-            <a:noAutofit/>
-          </a:bodyPr>
-          <a:lstStyle/>
-          <a:p>
-            <a:pPr marL="457200" lvl="0" indent="-355600" algn="l" rtl="0">
-              <a:lnSpc>
-                <a:spcPct val="150000"/>
-              </a:lnSpc>
-              <a:spcBef>
-                <a:spcPts val="0"/>
-              </a:spcBef>
-              <a:spcAft>
-                <a:spcPts val="0"/>
-              </a:spcAft>
-              <a:buClr>
-                <a:srgbClr val="3D85C6"/>
-              </a:buClr>
-              <a:buSzPts val="2000"/>
-              <a:buChar char="-"/>
-            </a:pPr>
-            <a:r>
-              <a:rPr lang="en" sz="2000">
-                <a:solidFill>
-                  <a:srgbClr val="3D85C6"/>
-                </a:solidFill>
-              </a:rPr>
-              <a:t>OAuth2 SSO Provider </a:t>
-            </a:r>
-            <a:endParaRPr sz="2000">
-              <a:solidFill>
-                <a:srgbClr val="3D85C6"/>
-              </a:solidFill>
-            </a:endParaRPr>
-          </a:p>
-          <a:p>
-            <a:pPr marL="457200" lvl="0" indent="-355600" algn="l" rtl="0">
-              <a:lnSpc>
-                <a:spcPct val="150000"/>
-              </a:lnSpc>
-              <a:spcBef>
-                <a:spcPts val="0"/>
-              </a:spcBef>
-              <a:spcAft>
-                <a:spcPts val="0"/>
-              </a:spcAft>
-              <a:buClr>
-                <a:srgbClr val="3D85C6"/>
-              </a:buClr>
-              <a:buSzPts val="2000"/>
-              <a:buChar char="-"/>
-            </a:pPr>
-            <a:r>
-              <a:rPr lang="en" sz="2000">
-                <a:solidFill>
-                  <a:srgbClr val="3D85C6"/>
-                </a:solidFill>
-              </a:rPr>
-              <a:t>JWT resource protection</a:t>
-            </a:r>
-            <a:endParaRPr sz="2000">
-              <a:solidFill>
-                <a:srgbClr val="3D85C6"/>
-              </a:solidFill>
-            </a:endParaRPr>
-          </a:p>
-          <a:p>
-            <a:pPr marL="457200" lvl="0" indent="-355600" algn="l" rtl="0">
-              <a:lnSpc>
-                <a:spcPct val="150000"/>
-              </a:lnSpc>
-              <a:spcBef>
-                <a:spcPts val="0"/>
-              </a:spcBef>
-              <a:spcAft>
-                <a:spcPts val="0"/>
-              </a:spcAft>
-              <a:buClr>
-                <a:srgbClr val="3D85C6"/>
-              </a:buClr>
-              <a:buSzPts val="2000"/>
-              <a:buChar char="-"/>
-            </a:pPr>
-            <a:r>
-              <a:rPr lang="en" sz="2000">
-                <a:solidFill>
-                  <a:srgbClr val="3D85C6"/>
-                </a:solidFill>
-              </a:rPr>
-              <a:t>Redis Key Ring Repository</a:t>
-            </a:r>
-            <a:endParaRPr sz="2000">
-              <a:solidFill>
-                <a:srgbClr val="3D85C6"/>
-              </a:solidFill>
-            </a:endParaRPr>
-          </a:p>
-          <a:p>
-            <a:pPr marL="0" lvl="0" indent="0" algn="l" rtl="0">
-              <a:lnSpc>
-                <a:spcPct val="150000"/>
-              </a:lnSpc>
-              <a:spcBef>
-                <a:spcPts val="1600"/>
-              </a:spcBef>
-              <a:spcAft>
-                <a:spcPts val="0"/>
-              </a:spcAft>
-              <a:buNone/>
-            </a:pPr>
-            <a:endParaRPr sz="2000">
-              <a:solidFill>
-                <a:srgbClr val="3D85C6"/>
-              </a:solidFill>
-            </a:endParaRPr>
-          </a:p>
-          <a:p>
-            <a:pPr marL="0" lvl="0" indent="0" algn="l" rtl="0">
-              <a:spcBef>
-                <a:spcPts val="1600"/>
-              </a:spcBef>
-              <a:spcAft>
-                <a:spcPts val="1600"/>
-              </a:spcAft>
-              <a:buNone/>
-            </a:pPr>
-            <a:endParaRPr sz="2000">
-              <a:solidFill>
-                <a:srgbClr val="3D85C6"/>
-              </a:solidFill>
-            </a:endParaRPr>
-          </a:p>
-        </p:txBody>
-      </p:sp>
-      <p:sp>
-        <p:nvSpPr>
-          <p:cNvPr id="338" name="Google Shape;338;p34"/>
-          <p:cNvSpPr txBox="1">
-            <a:spLocks noGrp="1"/>
-          </p:cNvSpPr>
-          <p:nvPr>
-            <p:ph type="sldNum" idx="12"/>
-          </p:nvPr>
-        </p:nvSpPr>
-        <p:spPr>
-          <a:xfrm>
-            <a:off x="76608" y="4673142"/>
-            <a:ext cx="548700" cy="393600"/>
-          </a:xfrm>
-          <a:prstGeom prst="rect">
-            <a:avLst/>
-          </a:prstGeom>
-        </p:spPr>
-        <p:txBody>
-          <a:bodyPr spcFirstLastPara="1" wrap="square" lIns="91425" tIns="91425" rIns="91425" bIns="91425" anchor="ctr" anchorCtr="0">
-            <a:noAutofit/>
-          </a:bodyPr>
-          <a:lstStyle/>
-          <a:p>
-            <a:pPr marL="0" lvl="0" indent="0" algn="l" rtl="0">
-              <a:spcBef>
-                <a:spcPts val="0"/>
-              </a:spcBef>
-              <a:spcAft>
-                <a:spcPts val="0"/>
-              </a:spcAft>
-              <a:buNone/>
-            </a:pPr>
-            <a:fld id="{00000000-1234-1234-1234-123412341234}" type="slidenum">
-              <a:rPr lang="en"/>
-              <a:t>15</a:t>
-            </a:fld>
-            <a:endParaRPr/>
-          </a:p>
-        </p:txBody>
-      </p:sp>
-      <p:sp>
-        <p:nvSpPr>
-          <p:cNvPr id="339" name="Google Shape;339;p34"/>
-          <p:cNvSpPr/>
-          <p:nvPr/>
-        </p:nvSpPr>
-        <p:spPr>
-          <a:xfrm>
-            <a:off x="0" y="0"/>
-            <a:ext cx="9144000" cy="328200"/>
-          </a:xfrm>
-          <a:prstGeom prst="rect">
-            <a:avLst/>
-          </a:prstGeom>
-          <a:solidFill>
-            <a:srgbClr val="4272B3"/>
-          </a:solidFill>
-          <a:ln w="9525" cap="flat" cmpd="sng">
-            <a:solidFill>
-              <a:srgbClr val="4272B3"/>
-            </a:solidFill>
-            <a:prstDash val="solid"/>
-            <a:round/>
-            <a:headEnd type="none" w="sm" len="sm"/>
-            <a:tailEnd type="none" w="sm" len="sm"/>
-          </a:ln>
-        </p:spPr>
-        <p:txBody>
-          <a:bodyPr spcFirstLastPara="1" wrap="square" lIns="91425" tIns="91425" rIns="91425" bIns="91425" anchor="ctr" anchorCtr="0">
-            <a:noAutofit/>
-          </a:bodyPr>
-          <a:lstStyle/>
-          <a:p>
-            <a:pPr marL="0" lvl="0" indent="0" algn="l" rtl="0">
-              <a:spcBef>
-                <a:spcPts val="0"/>
-              </a:spcBef>
-              <a:spcAft>
-                <a:spcPts val="0"/>
-              </a:spcAft>
-              <a:buNone/>
-            </a:pPr>
-            <a:endParaRPr/>
-          </a:p>
-        </p:txBody>
-      </p:sp>
-      <p:sp>
-        <p:nvSpPr>
-          <p:cNvPr id="340" name="Google Shape;340;p34"/>
-          <p:cNvSpPr/>
-          <p:nvPr/>
-        </p:nvSpPr>
-        <p:spPr>
-          <a:xfrm>
-            <a:off x="6569400" y="0"/>
-            <a:ext cx="2574600" cy="328200"/>
-          </a:xfrm>
-          <a:prstGeom prst="rect">
-            <a:avLst/>
-          </a:prstGeom>
-          <a:solidFill>
-            <a:srgbClr val="3A68A0"/>
-          </a:solidFill>
-          <a:ln w="9525" cap="flat" cmpd="sng">
-            <a:solidFill>
-              <a:srgbClr val="3A68A0"/>
-            </a:solidFill>
-            <a:prstDash val="solid"/>
-            <a:round/>
-            <a:headEnd type="none" w="sm" len="sm"/>
-            <a:tailEnd type="none" w="sm" len="sm"/>
-          </a:ln>
-        </p:spPr>
-        <p:txBody>
-          <a:bodyPr spcFirstLastPara="1" wrap="square" lIns="91425" tIns="91425" rIns="91425" bIns="91425" anchor="ctr" anchorCtr="0">
-            <a:noAutofit/>
-          </a:bodyPr>
-          <a:lstStyle/>
-          <a:p>
-            <a:pPr marL="0" lvl="0" indent="0" algn="l" rtl="0">
-              <a:spcBef>
-                <a:spcPts val="0"/>
-              </a:spcBef>
-              <a:spcAft>
-                <a:spcPts val="0"/>
-              </a:spcAft>
-              <a:buNone/>
-            </a:pPr>
-            <a:endParaRPr/>
-          </a:p>
-        </p:txBody>
-      </p:sp>
-      <p:pic>
-        <p:nvPicPr>
-          <p:cNvPr id="341" name="Google Shape;341;p34"/>
-          <p:cNvPicPr preferRelativeResize="0"/>
-          <p:nvPr/>
-        </p:nvPicPr>
-        <p:blipFill>
-          <a:blip r:embed="rId4">
-            <a:alphaModFix/>
-          </a:blip>
-          <a:stretch>
-            <a:fillRect/>
-          </a:stretch>
-        </p:blipFill>
-        <p:spPr>
-          <a:xfrm>
-            <a:off x="8281164" y="0"/>
-            <a:ext cx="897087" cy="371225"/>
-          </a:xfrm>
-          <a:prstGeom prst="rect">
-            <a:avLst/>
-          </a:prstGeom>
-          <a:noFill/>
-          <a:ln>
-            <a:noFill/>
-          </a:ln>
-        </p:spPr>
-      </p:pic>
-      <p:sp>
-        <p:nvSpPr>
-          <p:cNvPr id="342" name="Google Shape;342;p34"/>
-          <p:cNvSpPr/>
-          <p:nvPr/>
-        </p:nvSpPr>
-        <p:spPr>
-          <a:xfrm>
-            <a:off x="7010375" y="61200"/>
-            <a:ext cx="1020900" cy="267000"/>
-          </a:xfrm>
-          <a:prstGeom prst="triangle">
-            <a:avLst>
-              <a:gd name="adj" fmla="val 49866"/>
-            </a:avLst>
-          </a:prstGeom>
-          <a:solidFill>
-            <a:srgbClr val="4272B3"/>
-          </a:solidFill>
-          <a:ln w="9525" cap="flat" cmpd="sng">
-            <a:solidFill>
-              <a:srgbClr val="4272B3"/>
-            </a:solidFill>
-            <a:prstDash val="solid"/>
-            <a:round/>
-            <a:headEnd type="none" w="sm" len="sm"/>
-            <a:tailEnd type="none" w="sm" len="sm"/>
-          </a:ln>
-        </p:spPr>
-        <p:txBody>
-          <a:bodyPr spcFirstLastPara="1" wrap="square" lIns="91425" tIns="91425" rIns="91425" bIns="91425" anchor="ctr" anchorCtr="0">
-            <a:noAutofit/>
-          </a:bodyPr>
-          <a:lstStyle/>
-          <a:p>
-            <a:pPr marL="0" lvl="0" indent="0" algn="l" rtl="0">
-              <a:spcBef>
-                <a:spcPts val="0"/>
-              </a:spcBef>
-              <a:spcAft>
-                <a:spcPts val="0"/>
-              </a:spcAft>
-              <a:buNone/>
-            </a:pPr>
-            <a:endParaRPr/>
-          </a:p>
-        </p:txBody>
-      </p:sp>
-      <p:sp>
-        <p:nvSpPr>
-          <p:cNvPr id="343" name="Google Shape;343;p34"/>
-          <p:cNvSpPr/>
-          <p:nvPr/>
-        </p:nvSpPr>
-        <p:spPr>
-          <a:xfrm rot="10800000">
-            <a:off x="5006475" y="0"/>
-            <a:ext cx="2870700" cy="328200"/>
-          </a:xfrm>
-          <a:prstGeom prst="trapezoid">
-            <a:avLst>
-              <a:gd name="adj" fmla="val 190089"/>
-            </a:avLst>
-          </a:prstGeom>
-          <a:solidFill>
-            <a:srgbClr val="122C37"/>
-          </a:solidFill>
-          <a:ln w="9525" cap="flat" cmpd="sng">
-            <a:solidFill>
-              <a:srgbClr val="122C37"/>
-            </a:solidFill>
-            <a:prstDash val="solid"/>
-            <a:round/>
-            <a:headEnd type="none" w="sm" len="sm"/>
-            <a:tailEnd type="none" w="sm" len="sm"/>
-          </a:ln>
-        </p:spPr>
-        <p:txBody>
-          <a:bodyPr spcFirstLastPara="1" wrap="square" lIns="91425" tIns="91425" rIns="91425" bIns="91425" anchor="ctr" anchorCtr="0">
-            <a:noAutofit/>
-          </a:bodyPr>
-          <a:lstStyle/>
-          <a:p>
-            <a:pPr marL="0" lvl="0" indent="0" algn="l" rtl="0">
-              <a:spcBef>
-                <a:spcPts val="0"/>
-              </a:spcBef>
-              <a:spcAft>
-                <a:spcPts val="0"/>
-              </a:spcAft>
-              <a:buNone/>
-            </a:pPr>
-            <a:endParaRPr/>
-          </a:p>
-        </p:txBody>
-      </p:sp>
-      <p:pic>
-        <p:nvPicPr>
-          <p:cNvPr id="344" name="Google Shape;344;p34"/>
-          <p:cNvPicPr preferRelativeResize="0"/>
-          <p:nvPr/>
-        </p:nvPicPr>
-        <p:blipFill>
-          <a:blip r:embed="rId5">
-            <a:alphaModFix/>
-          </a:blip>
-          <a:stretch>
-            <a:fillRect/>
-          </a:stretch>
-        </p:blipFill>
-        <p:spPr>
-          <a:xfrm>
-            <a:off x="5360225" y="1157100"/>
-            <a:ext cx="2966975" cy="2829300"/>
-          </a:xfrm>
-          <a:prstGeom prst="rect">
-            <a:avLst/>
-          </a:prstGeom>
-          <a:noFill/>
-          <a:ln>
-            <a:noFill/>
-          </a:ln>
-        </p:spPr>
-      </p:pic>
-    </p:spTree>
-  </p:cSld>
-  <p:clrMapOvr>
-    <a:masterClrMapping/>
-  </p:clrMapOvr>
-</p:sld>
-</file>
-
-<file path=ppt/slides/slide16.xml><?xml version="1.0" encoding="utf-8"?>
-<p:sld xmlns:a="http://schemas.openxmlformats.org/drawingml/2006/main" xmlns:r="http://schemas.openxmlformats.org/officeDocument/2006/relationships" xmlns:p="http://schemas.openxmlformats.org/presentationml/2006/main">
-  <p:cSld>
-    <p:spTree>
-      <p:nvGrpSpPr>
         <p:cNvPr id="1" name="Shape 348"/>
         <p:cNvGrpSpPr/>
         <p:nvPr/>
@@ -13533,7 +12700,7 @@
             </a:pPr>
             <a:fld id="{00000000-1234-1234-1234-123412341234}" type="slidenum">
               <a:rPr lang="en"/>
-              <a:t>16</a:t>
+              <a:t>15</a:t>
             </a:fld>
             <a:endParaRPr/>
           </a:p>
@@ -13840,7 +13007,7 @@
 </p:sld>
 </file>
 
-<file path=ppt/slides/slide17.xml><?xml version="1.0" encoding="utf-8"?>
+<file path=ppt/slides/slide16.xml><?xml version="1.0" encoding="utf-8"?>
 <p:sld xmlns:a="http://schemas.openxmlformats.org/drawingml/2006/main" xmlns:r="http://schemas.openxmlformats.org/officeDocument/2006/relationships" xmlns:p="http://schemas.openxmlformats.org/presentationml/2006/main">
   <p:cSld>
     <p:spTree>
@@ -14335,7 +13502,7 @@
             </a:pPr>
             <a:fld id="{00000000-1234-1234-1234-123412341234}" type="slidenum">
               <a:rPr lang="en"/>
-              <a:t>17</a:t>
+              <a:t>16</a:t>
             </a:fld>
             <a:endParaRPr/>
           </a:p>
@@ -14646,7 +13813,7 @@
 </p:sld>
 </file>
 
-<file path=ppt/slides/slide18.xml><?xml version="1.0" encoding="utf-8"?>
+<file path=ppt/slides/slide17.xml><?xml version="1.0" encoding="utf-8"?>
 <p:sld xmlns:a="http://schemas.openxmlformats.org/drawingml/2006/main" xmlns:r="http://schemas.openxmlformats.org/officeDocument/2006/relationships" xmlns:p="http://schemas.openxmlformats.org/presentationml/2006/main">
   <p:cSld>
     <p:spTree>
@@ -14861,7 +14028,7 @@
 </p:sld>
 </file>
 
-<file path=ppt/slides/slide19.xml><?xml version="1.0" encoding="utf-8"?>
+<file path=ppt/slides/slide18.xml><?xml version="1.0" encoding="utf-8"?>
 <p:sld xmlns:a="http://schemas.openxmlformats.org/drawingml/2006/main" xmlns:r="http://schemas.openxmlformats.org/officeDocument/2006/relationships" xmlns:p="http://schemas.openxmlformats.org/presentationml/2006/main">
   <p:cSld>
     <p:spTree>
@@ -15248,7 +14415,7 @@
             </a:pPr>
             <a:fld id="{00000000-1234-1234-1234-123412341234}" type="slidenum">
               <a:rPr lang="en"/>
-              <a:t>19</a:t>
+              <a:t>18</a:t>
             </a:fld>
             <a:endParaRPr/>
           </a:p>
@@ -15425,6 +14592,573 @@
       <p:sp>
         <p:nvSpPr>
           <p:cNvPr id="397" name="Google Shape;397;p38"/>
+          <p:cNvSpPr/>
+          <p:nvPr/>
+        </p:nvSpPr>
+        <p:spPr>
+          <a:xfrm rot="10800000">
+            <a:off x="5006475" y="0"/>
+            <a:ext cx="2870700" cy="328200"/>
+          </a:xfrm>
+          <a:prstGeom prst="trapezoid">
+            <a:avLst>
+              <a:gd name="adj" fmla="val 190089"/>
+            </a:avLst>
+          </a:prstGeom>
+          <a:solidFill>
+            <a:srgbClr val="122C37"/>
+          </a:solidFill>
+          <a:ln w="9525" cap="flat" cmpd="sng">
+            <a:solidFill>
+              <a:srgbClr val="122C37"/>
+            </a:solidFill>
+            <a:prstDash val="solid"/>
+            <a:round/>
+            <a:headEnd type="none" w="sm" len="sm"/>
+            <a:tailEnd type="none" w="sm" len="sm"/>
+          </a:ln>
+        </p:spPr>
+        <p:txBody>
+          <a:bodyPr spcFirstLastPara="1" wrap="square" lIns="91425" tIns="91425" rIns="91425" bIns="91425" anchor="ctr" anchorCtr="0">
+            <a:noAutofit/>
+          </a:bodyPr>
+          <a:lstStyle/>
+          <a:p>
+            <a:pPr marL="0" lvl="0" indent="0" algn="l" rtl="0">
+              <a:spcBef>
+                <a:spcPts val="0"/>
+              </a:spcBef>
+              <a:spcAft>
+                <a:spcPts val="0"/>
+              </a:spcAft>
+              <a:buNone/>
+            </a:pPr>
+            <a:endParaRPr/>
+          </a:p>
+        </p:txBody>
+      </p:sp>
+    </p:spTree>
+  </p:cSld>
+  <p:clrMapOvr>
+    <a:masterClrMapping/>
+  </p:clrMapOvr>
+</p:sld>
+</file>
+
+<file path=ppt/slides/slide19.xml><?xml version="1.0" encoding="utf-8"?>
+<p:sld xmlns:a="http://schemas.openxmlformats.org/drawingml/2006/main" xmlns:r="http://schemas.openxmlformats.org/officeDocument/2006/relationships" xmlns:p="http://schemas.openxmlformats.org/presentationml/2006/main">
+  <p:cSld>
+    <p:spTree>
+      <p:nvGrpSpPr>
+        <p:cNvPr id="1" name="Shape 401"/>
+        <p:cNvGrpSpPr/>
+        <p:nvPr/>
+      </p:nvGrpSpPr>
+      <p:grpSpPr>
+        <a:xfrm>
+          <a:off x="0" y="0"/>
+          <a:ext cx="0" cy="0"/>
+          <a:chOff x="0" y="0"/>
+          <a:chExt cx="0" cy="0"/>
+        </a:xfrm>
+      </p:grpSpPr>
+      <p:pic>
+        <p:nvPicPr>
+          <p:cNvPr id="402" name="Google Shape;402;p39"/>
+          <p:cNvPicPr preferRelativeResize="0"/>
+          <p:nvPr/>
+        </p:nvPicPr>
+        <p:blipFill>
+          <a:blip r:embed="rId3">
+            <a:alphaModFix/>
+          </a:blip>
+          <a:stretch>
+            <a:fillRect/>
+          </a:stretch>
+        </p:blipFill>
+        <p:spPr>
+          <a:xfrm>
+            <a:off x="8565975" y="4616763"/>
+            <a:ext cx="449975" cy="449975"/>
+          </a:xfrm>
+          <a:prstGeom prst="rect">
+            <a:avLst/>
+          </a:prstGeom>
+          <a:noFill/>
+          <a:ln>
+            <a:noFill/>
+          </a:ln>
+        </p:spPr>
+      </p:pic>
+      <p:sp>
+        <p:nvSpPr>
+          <p:cNvPr id="403" name="Google Shape;403;p39"/>
+          <p:cNvSpPr txBox="1">
+            <a:spLocks noGrp="1"/>
+          </p:cNvSpPr>
+          <p:nvPr>
+            <p:ph type="title"/>
+          </p:nvPr>
+        </p:nvSpPr>
+        <p:spPr>
+          <a:xfrm>
+            <a:off x="311700" y="445025"/>
+            <a:ext cx="8520600" cy="572700"/>
+          </a:xfrm>
+          <a:prstGeom prst="rect">
+            <a:avLst/>
+          </a:prstGeom>
+        </p:spPr>
+        <p:txBody>
+          <a:bodyPr spcFirstLastPara="1" wrap="square" lIns="91425" tIns="91425" rIns="91425" bIns="91425" anchor="t" anchorCtr="0">
+            <a:noAutofit/>
+          </a:bodyPr>
+          <a:lstStyle/>
+          <a:p>
+            <a:pPr marL="0" lvl="0" indent="0" algn="l" rtl="0">
+              <a:spcBef>
+                <a:spcPts val="0"/>
+              </a:spcBef>
+              <a:spcAft>
+                <a:spcPts val="0"/>
+              </a:spcAft>
+              <a:buNone/>
+            </a:pPr>
+            <a:r>
+              <a:rPr lang="en-US">
+                <a:solidFill>
+                  <a:srgbClr val="0B5394"/>
+                </a:solidFill>
+              </a:rPr>
+              <a:t>Features</a:t>
+            </a:r>
+            <a:endParaRPr dirty="0">
+              <a:solidFill>
+                <a:srgbClr val="0B5394"/>
+              </a:solidFill>
+            </a:endParaRPr>
+          </a:p>
+        </p:txBody>
+      </p:sp>
+      <p:sp>
+        <p:nvSpPr>
+          <p:cNvPr id="404" name="Google Shape;404;p39"/>
+          <p:cNvSpPr txBox="1">
+            <a:spLocks noGrp="1"/>
+          </p:cNvSpPr>
+          <p:nvPr>
+            <p:ph type="body" idx="1"/>
+          </p:nvPr>
+        </p:nvSpPr>
+        <p:spPr>
+          <a:xfrm>
+            <a:off x="311700" y="1000075"/>
+            <a:ext cx="8520600" cy="3257700"/>
+          </a:xfrm>
+          <a:prstGeom prst="rect">
+            <a:avLst/>
+          </a:prstGeom>
+        </p:spPr>
+        <p:txBody>
+          <a:bodyPr spcFirstLastPara="1" wrap="square" lIns="91425" tIns="91425" rIns="91425" bIns="91425" anchor="t" anchorCtr="0">
+            <a:noAutofit/>
+          </a:bodyPr>
+          <a:lstStyle/>
+          <a:p>
+            <a:pPr marL="0" lvl="0" indent="0" algn="l" rtl="0">
+              <a:spcBef>
+                <a:spcPts val="0"/>
+              </a:spcBef>
+              <a:spcAft>
+                <a:spcPts val="0"/>
+              </a:spcAft>
+              <a:buNone/>
+            </a:pPr>
+            <a:r>
+              <a:rPr lang="en" dirty="0">
+                <a:solidFill>
+                  <a:srgbClr val="0B5394"/>
+                </a:solidFill>
+              </a:rPr>
+              <a:t>2.1 (</a:t>
+            </a:r>
+            <a:r>
+              <a:rPr lang="en-US" dirty="0">
+                <a:solidFill>
+                  <a:srgbClr val="0B5394"/>
+                </a:solidFill>
+              </a:rPr>
+              <a:t>Available Now</a:t>
+            </a:r>
+            <a:r>
+              <a:rPr lang="en" dirty="0">
+                <a:solidFill>
+                  <a:srgbClr val="0B5394"/>
+                </a:solidFill>
+              </a:rPr>
+              <a:t>)</a:t>
+            </a:r>
+            <a:endParaRPr dirty="0">
+              <a:solidFill>
+                <a:srgbClr val="0B5394"/>
+              </a:solidFill>
+            </a:endParaRPr>
+          </a:p>
+          <a:p>
+            <a:pPr marL="457200" lvl="0" indent="-317500" algn="l" rtl="0">
+              <a:spcBef>
+                <a:spcPts val="1600"/>
+              </a:spcBef>
+              <a:spcAft>
+                <a:spcPts val="0"/>
+              </a:spcAft>
+              <a:buClr>
+                <a:srgbClr val="0B5394"/>
+              </a:buClr>
+              <a:buSzPts val="1400"/>
+              <a:buChar char="-"/>
+            </a:pPr>
+            <a:r>
+              <a:rPr lang="en" sz="1400" dirty="0">
+                <a:solidFill>
+                  <a:srgbClr val="0B5394"/>
+                </a:solidFill>
+              </a:rPr>
+              <a:t>Full ANC 2.1 support</a:t>
+            </a:r>
+            <a:endParaRPr sz="1400" dirty="0">
+              <a:solidFill>
+                <a:srgbClr val="0B5394"/>
+              </a:solidFill>
+            </a:endParaRPr>
+          </a:p>
+          <a:p>
+            <a:pPr marL="457200" lvl="0" indent="-317500" algn="l" rtl="0">
+              <a:spcBef>
+                <a:spcPts val="0"/>
+              </a:spcBef>
+              <a:spcAft>
+                <a:spcPts val="0"/>
+              </a:spcAft>
+              <a:buClr>
+                <a:srgbClr val="0B5394"/>
+              </a:buClr>
+              <a:buSzPts val="1400"/>
+              <a:buChar char="-"/>
+            </a:pPr>
+            <a:r>
+              <a:rPr lang="en" sz="1400" dirty="0">
+                <a:solidFill>
+                  <a:srgbClr val="0B5394"/>
+                </a:solidFill>
+              </a:rPr>
+              <a:t>Tracing with Open Census and Zipkin exporter</a:t>
+            </a:r>
+            <a:endParaRPr sz="1400" dirty="0">
+              <a:solidFill>
+                <a:srgbClr val="0B5394"/>
+              </a:solidFill>
+            </a:endParaRPr>
+          </a:p>
+          <a:p>
+            <a:pPr marL="457200" lvl="0" indent="-317500" algn="l" rtl="0">
+              <a:spcBef>
+                <a:spcPts val="0"/>
+              </a:spcBef>
+              <a:spcAft>
+                <a:spcPts val="0"/>
+              </a:spcAft>
+              <a:buClr>
+                <a:srgbClr val="0B5394"/>
+              </a:buClr>
+              <a:buSzPts val="1400"/>
+              <a:buChar char="-"/>
+            </a:pPr>
+            <a:r>
+              <a:rPr lang="en" sz="1400" dirty="0">
+                <a:solidFill>
+                  <a:srgbClr val="0B5394"/>
+                </a:solidFill>
+              </a:rPr>
+              <a:t>Metrics Forwarding and Open Census Metrics support</a:t>
+            </a:r>
+            <a:endParaRPr sz="1400" dirty="0">
+              <a:solidFill>
+                <a:srgbClr val="0B5394"/>
+              </a:solidFill>
+            </a:endParaRPr>
+          </a:p>
+          <a:p>
+            <a:pPr marL="457200" lvl="0" indent="-317500" algn="l" rtl="0">
+              <a:spcBef>
+                <a:spcPts val="0"/>
+              </a:spcBef>
+              <a:spcAft>
+                <a:spcPts val="0"/>
+              </a:spcAft>
+              <a:buClr>
+                <a:srgbClr val="0B5394"/>
+              </a:buClr>
+              <a:buSzPts val="1400"/>
+              <a:buChar char="-"/>
+            </a:pPr>
+            <a:r>
+              <a:rPr lang="en" sz="1400" dirty="0">
+                <a:solidFill>
+                  <a:srgbClr val="0B5394"/>
+                </a:solidFill>
+              </a:rPr>
+              <a:t>Out-of-the-box Health Contributors for connectors</a:t>
+            </a:r>
+            <a:endParaRPr sz="1400" dirty="0">
+              <a:solidFill>
+                <a:srgbClr val="0B5394"/>
+              </a:solidFill>
+            </a:endParaRPr>
+          </a:p>
+          <a:p>
+            <a:pPr marL="457200" lvl="0" indent="-317500" algn="l" rtl="0">
+              <a:spcBef>
+                <a:spcPts val="0"/>
+              </a:spcBef>
+              <a:spcAft>
+                <a:spcPts val="0"/>
+              </a:spcAft>
+              <a:buClr>
+                <a:srgbClr val="0B5394"/>
+              </a:buClr>
+              <a:buSzPts val="1400"/>
+              <a:buChar char="-"/>
+            </a:pPr>
+            <a:r>
+              <a:rPr lang="en-US" sz="1400" dirty="0">
+                <a:solidFill>
+                  <a:srgbClr val="0B5394"/>
+                </a:solidFill>
+              </a:rPr>
+              <a:t>New Actuators Endpoints - /refresh, /env</a:t>
+            </a:r>
+            <a:endParaRPr lang="en-US" dirty="0">
+              <a:solidFill>
+                <a:srgbClr val="3D85C6"/>
+              </a:solidFill>
+            </a:endParaRPr>
+          </a:p>
+        </p:txBody>
+      </p:sp>
+      <p:sp>
+        <p:nvSpPr>
+          <p:cNvPr id="405" name="Google Shape;405;p39"/>
+          <p:cNvSpPr txBox="1">
+            <a:spLocks noGrp="1"/>
+          </p:cNvSpPr>
+          <p:nvPr>
+            <p:ph type="sldNum" idx="12"/>
+          </p:nvPr>
+        </p:nvSpPr>
+        <p:spPr>
+          <a:xfrm>
+            <a:off x="76608" y="4673142"/>
+            <a:ext cx="548700" cy="393600"/>
+          </a:xfrm>
+          <a:prstGeom prst="rect">
+            <a:avLst/>
+          </a:prstGeom>
+        </p:spPr>
+        <p:txBody>
+          <a:bodyPr spcFirstLastPara="1" wrap="square" lIns="91425" tIns="91425" rIns="91425" bIns="91425" anchor="ctr" anchorCtr="0">
+            <a:noAutofit/>
+          </a:bodyPr>
+          <a:lstStyle/>
+          <a:p>
+            <a:pPr marL="0" lvl="0" indent="0" algn="l" rtl="0">
+              <a:spcBef>
+                <a:spcPts val="0"/>
+              </a:spcBef>
+              <a:spcAft>
+                <a:spcPts val="0"/>
+              </a:spcAft>
+              <a:buNone/>
+            </a:pPr>
+            <a:fld id="{00000000-1234-1234-1234-123412341234}" type="slidenum">
+              <a:rPr lang="en"/>
+              <a:t>19</a:t>
+            </a:fld>
+            <a:endParaRPr/>
+          </a:p>
+        </p:txBody>
+      </p:sp>
+      <p:sp>
+        <p:nvSpPr>
+          <p:cNvPr id="406" name="Google Shape;406;p39"/>
+          <p:cNvSpPr/>
+          <p:nvPr/>
+        </p:nvSpPr>
+        <p:spPr>
+          <a:xfrm>
+            <a:off x="0" y="0"/>
+            <a:ext cx="9144000" cy="328200"/>
+          </a:xfrm>
+          <a:prstGeom prst="rect">
+            <a:avLst/>
+          </a:prstGeom>
+          <a:solidFill>
+            <a:srgbClr val="4272B3"/>
+          </a:solidFill>
+          <a:ln w="9525" cap="flat" cmpd="sng">
+            <a:solidFill>
+              <a:srgbClr val="4272B3"/>
+            </a:solidFill>
+            <a:prstDash val="solid"/>
+            <a:round/>
+            <a:headEnd type="none" w="sm" len="sm"/>
+            <a:tailEnd type="none" w="sm" len="sm"/>
+          </a:ln>
+        </p:spPr>
+        <p:txBody>
+          <a:bodyPr spcFirstLastPara="1" wrap="square" lIns="91425" tIns="91425" rIns="91425" bIns="91425" anchor="ctr" anchorCtr="0">
+            <a:noAutofit/>
+          </a:bodyPr>
+          <a:lstStyle/>
+          <a:p>
+            <a:pPr marL="0" lvl="0" indent="0" algn="l" rtl="0">
+              <a:spcBef>
+                <a:spcPts val="0"/>
+              </a:spcBef>
+              <a:spcAft>
+                <a:spcPts val="0"/>
+              </a:spcAft>
+              <a:buNone/>
+            </a:pPr>
+            <a:endParaRPr/>
+          </a:p>
+        </p:txBody>
+      </p:sp>
+      <p:sp>
+        <p:nvSpPr>
+          <p:cNvPr id="407" name="Google Shape;407;p39"/>
+          <p:cNvSpPr/>
+          <p:nvPr/>
+        </p:nvSpPr>
+        <p:spPr>
+          <a:xfrm>
+            <a:off x="6569400" y="0"/>
+            <a:ext cx="2574600" cy="328200"/>
+          </a:xfrm>
+          <a:prstGeom prst="rect">
+            <a:avLst/>
+          </a:prstGeom>
+          <a:solidFill>
+            <a:srgbClr val="3A68A0"/>
+          </a:solidFill>
+          <a:ln w="9525" cap="flat" cmpd="sng">
+            <a:solidFill>
+              <a:srgbClr val="3A68A0"/>
+            </a:solidFill>
+            <a:prstDash val="solid"/>
+            <a:round/>
+            <a:headEnd type="none" w="sm" len="sm"/>
+            <a:tailEnd type="none" w="sm" len="sm"/>
+          </a:ln>
+        </p:spPr>
+        <p:txBody>
+          <a:bodyPr spcFirstLastPara="1" wrap="square" lIns="91425" tIns="91425" rIns="91425" bIns="91425" anchor="ctr" anchorCtr="0">
+            <a:noAutofit/>
+          </a:bodyPr>
+          <a:lstStyle/>
+          <a:p>
+            <a:pPr marL="0" lvl="0" indent="0" algn="l" rtl="0">
+              <a:spcBef>
+                <a:spcPts val="0"/>
+              </a:spcBef>
+              <a:spcAft>
+                <a:spcPts val="0"/>
+              </a:spcAft>
+              <a:buNone/>
+            </a:pPr>
+            <a:endParaRPr/>
+          </a:p>
+        </p:txBody>
+      </p:sp>
+      <p:pic>
+        <p:nvPicPr>
+          <p:cNvPr id="408" name="Google Shape;408;p39"/>
+          <p:cNvPicPr preferRelativeResize="0"/>
+          <p:nvPr/>
+        </p:nvPicPr>
+        <p:blipFill>
+          <a:blip r:embed="rId4">
+            <a:alphaModFix/>
+          </a:blip>
+          <a:stretch>
+            <a:fillRect/>
+          </a:stretch>
+        </p:blipFill>
+        <p:spPr>
+          <a:xfrm>
+            <a:off x="8281164" y="0"/>
+            <a:ext cx="897087" cy="371225"/>
+          </a:xfrm>
+          <a:prstGeom prst="rect">
+            <a:avLst/>
+          </a:prstGeom>
+          <a:noFill/>
+          <a:ln>
+            <a:noFill/>
+          </a:ln>
+        </p:spPr>
+      </p:pic>
+      <p:sp>
+        <p:nvSpPr>
+          <p:cNvPr id="409" name="Google Shape;409;p39"/>
+          <p:cNvSpPr/>
+          <p:nvPr/>
+        </p:nvSpPr>
+        <p:spPr>
+          <a:xfrm>
+            <a:off x="7010375" y="61200"/>
+            <a:ext cx="1020900" cy="267000"/>
+          </a:xfrm>
+          <a:prstGeom prst="triangle">
+            <a:avLst>
+              <a:gd name="adj" fmla="val 49866"/>
+            </a:avLst>
+          </a:prstGeom>
+          <a:solidFill>
+            <a:srgbClr val="4272B3"/>
+          </a:solidFill>
+          <a:ln w="9525" cap="flat" cmpd="sng">
+            <a:solidFill>
+              <a:srgbClr val="4272B3"/>
+            </a:solidFill>
+            <a:prstDash val="solid"/>
+            <a:round/>
+            <a:headEnd type="none" w="sm" len="sm"/>
+            <a:tailEnd type="none" w="sm" len="sm"/>
+          </a:ln>
+        </p:spPr>
+        <p:txBody>
+          <a:bodyPr spcFirstLastPara="1" wrap="square" lIns="91425" tIns="91425" rIns="91425" bIns="91425" anchor="ctr" anchorCtr="0">
+            <a:noAutofit/>
+          </a:bodyPr>
+          <a:lstStyle/>
+          <a:p>
+            <a:pPr marL="0" lvl="0" indent="0" algn="l" rtl="0">
+              <a:spcBef>
+                <a:spcPts val="0"/>
+              </a:spcBef>
+              <a:spcAft>
+                <a:spcPts val="0"/>
+              </a:spcAft>
+              <a:buNone/>
+            </a:pPr>
+            <a:endParaRPr/>
+          </a:p>
+        </p:txBody>
+      </p:sp>
+      <p:sp>
+        <p:nvSpPr>
+          <p:cNvPr id="410" name="Google Shape;410;p39"/>
           <p:cNvSpPr/>
           <p:nvPr/>
         </p:nvSpPr>
@@ -16225,573 +15959,6 @@
   <p:cSld>
     <p:spTree>
       <p:nvGrpSpPr>
-        <p:cNvPr id="1" name="Shape 401"/>
-        <p:cNvGrpSpPr/>
-        <p:nvPr/>
-      </p:nvGrpSpPr>
-      <p:grpSpPr>
-        <a:xfrm>
-          <a:off x="0" y="0"/>
-          <a:ext cx="0" cy="0"/>
-          <a:chOff x="0" y="0"/>
-          <a:chExt cx="0" cy="0"/>
-        </a:xfrm>
-      </p:grpSpPr>
-      <p:pic>
-        <p:nvPicPr>
-          <p:cNvPr id="402" name="Google Shape;402;p39"/>
-          <p:cNvPicPr preferRelativeResize="0"/>
-          <p:nvPr/>
-        </p:nvPicPr>
-        <p:blipFill>
-          <a:blip r:embed="rId3">
-            <a:alphaModFix/>
-          </a:blip>
-          <a:stretch>
-            <a:fillRect/>
-          </a:stretch>
-        </p:blipFill>
-        <p:spPr>
-          <a:xfrm>
-            <a:off x="8565975" y="4616763"/>
-            <a:ext cx="449975" cy="449975"/>
-          </a:xfrm>
-          <a:prstGeom prst="rect">
-            <a:avLst/>
-          </a:prstGeom>
-          <a:noFill/>
-          <a:ln>
-            <a:noFill/>
-          </a:ln>
-        </p:spPr>
-      </p:pic>
-      <p:sp>
-        <p:nvSpPr>
-          <p:cNvPr id="403" name="Google Shape;403;p39"/>
-          <p:cNvSpPr txBox="1">
-            <a:spLocks noGrp="1"/>
-          </p:cNvSpPr>
-          <p:nvPr>
-            <p:ph type="title"/>
-          </p:nvPr>
-        </p:nvSpPr>
-        <p:spPr>
-          <a:xfrm>
-            <a:off x="311700" y="445025"/>
-            <a:ext cx="8520600" cy="572700"/>
-          </a:xfrm>
-          <a:prstGeom prst="rect">
-            <a:avLst/>
-          </a:prstGeom>
-        </p:spPr>
-        <p:txBody>
-          <a:bodyPr spcFirstLastPara="1" wrap="square" lIns="91425" tIns="91425" rIns="91425" bIns="91425" anchor="t" anchorCtr="0">
-            <a:noAutofit/>
-          </a:bodyPr>
-          <a:lstStyle/>
-          <a:p>
-            <a:pPr marL="0" lvl="0" indent="0" algn="l" rtl="0">
-              <a:spcBef>
-                <a:spcPts val="0"/>
-              </a:spcBef>
-              <a:spcAft>
-                <a:spcPts val="0"/>
-              </a:spcAft>
-              <a:buNone/>
-            </a:pPr>
-            <a:r>
-              <a:rPr lang="en-US">
-                <a:solidFill>
-                  <a:srgbClr val="0B5394"/>
-                </a:solidFill>
-              </a:rPr>
-              <a:t>Features</a:t>
-            </a:r>
-            <a:endParaRPr dirty="0">
-              <a:solidFill>
-                <a:srgbClr val="0B5394"/>
-              </a:solidFill>
-            </a:endParaRPr>
-          </a:p>
-        </p:txBody>
-      </p:sp>
-      <p:sp>
-        <p:nvSpPr>
-          <p:cNvPr id="404" name="Google Shape;404;p39"/>
-          <p:cNvSpPr txBox="1">
-            <a:spLocks noGrp="1"/>
-          </p:cNvSpPr>
-          <p:nvPr>
-            <p:ph type="body" idx="1"/>
-          </p:nvPr>
-        </p:nvSpPr>
-        <p:spPr>
-          <a:xfrm>
-            <a:off x="311700" y="1000075"/>
-            <a:ext cx="8520600" cy="3257700"/>
-          </a:xfrm>
-          <a:prstGeom prst="rect">
-            <a:avLst/>
-          </a:prstGeom>
-        </p:spPr>
-        <p:txBody>
-          <a:bodyPr spcFirstLastPara="1" wrap="square" lIns="91425" tIns="91425" rIns="91425" bIns="91425" anchor="t" anchorCtr="0">
-            <a:noAutofit/>
-          </a:bodyPr>
-          <a:lstStyle/>
-          <a:p>
-            <a:pPr marL="0" lvl="0" indent="0" algn="l" rtl="0">
-              <a:spcBef>
-                <a:spcPts val="0"/>
-              </a:spcBef>
-              <a:spcAft>
-                <a:spcPts val="0"/>
-              </a:spcAft>
-              <a:buNone/>
-            </a:pPr>
-            <a:r>
-              <a:rPr lang="en" dirty="0">
-                <a:solidFill>
-                  <a:srgbClr val="0B5394"/>
-                </a:solidFill>
-              </a:rPr>
-              <a:t>2.1 (</a:t>
-            </a:r>
-            <a:r>
-              <a:rPr lang="en-US" dirty="0">
-                <a:solidFill>
-                  <a:srgbClr val="0B5394"/>
-                </a:solidFill>
-              </a:rPr>
-              <a:t>Available Now</a:t>
-            </a:r>
-            <a:r>
-              <a:rPr lang="en" dirty="0">
-                <a:solidFill>
-                  <a:srgbClr val="0B5394"/>
-                </a:solidFill>
-              </a:rPr>
-              <a:t>)</a:t>
-            </a:r>
-            <a:endParaRPr dirty="0">
-              <a:solidFill>
-                <a:srgbClr val="0B5394"/>
-              </a:solidFill>
-            </a:endParaRPr>
-          </a:p>
-          <a:p>
-            <a:pPr marL="457200" lvl="0" indent="-317500" algn="l" rtl="0">
-              <a:spcBef>
-                <a:spcPts val="1600"/>
-              </a:spcBef>
-              <a:spcAft>
-                <a:spcPts val="0"/>
-              </a:spcAft>
-              <a:buClr>
-                <a:srgbClr val="0B5394"/>
-              </a:buClr>
-              <a:buSzPts val="1400"/>
-              <a:buChar char="-"/>
-            </a:pPr>
-            <a:r>
-              <a:rPr lang="en" sz="1400" dirty="0">
-                <a:solidFill>
-                  <a:srgbClr val="0B5394"/>
-                </a:solidFill>
-              </a:rPr>
-              <a:t>Full ANC 2.1 support</a:t>
-            </a:r>
-            <a:endParaRPr sz="1400" dirty="0">
-              <a:solidFill>
-                <a:srgbClr val="0B5394"/>
-              </a:solidFill>
-            </a:endParaRPr>
-          </a:p>
-          <a:p>
-            <a:pPr marL="457200" lvl="0" indent="-317500" algn="l" rtl="0">
-              <a:spcBef>
-                <a:spcPts val="0"/>
-              </a:spcBef>
-              <a:spcAft>
-                <a:spcPts val="0"/>
-              </a:spcAft>
-              <a:buClr>
-                <a:srgbClr val="0B5394"/>
-              </a:buClr>
-              <a:buSzPts val="1400"/>
-              <a:buChar char="-"/>
-            </a:pPr>
-            <a:r>
-              <a:rPr lang="en" sz="1400" dirty="0">
-                <a:solidFill>
-                  <a:srgbClr val="0B5394"/>
-                </a:solidFill>
-              </a:rPr>
-              <a:t>Tracing with Open Census and Zipkin exporter</a:t>
-            </a:r>
-            <a:endParaRPr sz="1400" dirty="0">
-              <a:solidFill>
-                <a:srgbClr val="0B5394"/>
-              </a:solidFill>
-            </a:endParaRPr>
-          </a:p>
-          <a:p>
-            <a:pPr marL="457200" lvl="0" indent="-317500" algn="l" rtl="0">
-              <a:spcBef>
-                <a:spcPts val="0"/>
-              </a:spcBef>
-              <a:spcAft>
-                <a:spcPts val="0"/>
-              </a:spcAft>
-              <a:buClr>
-                <a:srgbClr val="0B5394"/>
-              </a:buClr>
-              <a:buSzPts val="1400"/>
-              <a:buChar char="-"/>
-            </a:pPr>
-            <a:r>
-              <a:rPr lang="en" sz="1400" dirty="0">
-                <a:solidFill>
-                  <a:srgbClr val="0B5394"/>
-                </a:solidFill>
-              </a:rPr>
-              <a:t>Metrics Forwarding and Open Census Metrics support</a:t>
-            </a:r>
-            <a:endParaRPr sz="1400" dirty="0">
-              <a:solidFill>
-                <a:srgbClr val="0B5394"/>
-              </a:solidFill>
-            </a:endParaRPr>
-          </a:p>
-          <a:p>
-            <a:pPr marL="457200" lvl="0" indent="-317500" algn="l" rtl="0">
-              <a:spcBef>
-                <a:spcPts val="0"/>
-              </a:spcBef>
-              <a:spcAft>
-                <a:spcPts val="0"/>
-              </a:spcAft>
-              <a:buClr>
-                <a:srgbClr val="0B5394"/>
-              </a:buClr>
-              <a:buSzPts val="1400"/>
-              <a:buChar char="-"/>
-            </a:pPr>
-            <a:r>
-              <a:rPr lang="en" sz="1400" dirty="0">
-                <a:solidFill>
-                  <a:srgbClr val="0B5394"/>
-                </a:solidFill>
-              </a:rPr>
-              <a:t>Out-of-the-box Health Contributors for connectors</a:t>
-            </a:r>
-            <a:endParaRPr sz="1400" dirty="0">
-              <a:solidFill>
-                <a:srgbClr val="0B5394"/>
-              </a:solidFill>
-            </a:endParaRPr>
-          </a:p>
-          <a:p>
-            <a:pPr marL="457200" lvl="0" indent="-317500" algn="l" rtl="0">
-              <a:spcBef>
-                <a:spcPts val="0"/>
-              </a:spcBef>
-              <a:spcAft>
-                <a:spcPts val="0"/>
-              </a:spcAft>
-              <a:buClr>
-                <a:srgbClr val="0B5394"/>
-              </a:buClr>
-              <a:buSzPts val="1400"/>
-              <a:buChar char="-"/>
-            </a:pPr>
-            <a:r>
-              <a:rPr lang="en-US" sz="1400" dirty="0">
-                <a:solidFill>
-                  <a:srgbClr val="0B5394"/>
-                </a:solidFill>
-              </a:rPr>
-              <a:t>New Actuators Endpoints - /refresh, /env</a:t>
-            </a:r>
-            <a:endParaRPr lang="en-US" dirty="0">
-              <a:solidFill>
-                <a:srgbClr val="3D85C6"/>
-              </a:solidFill>
-            </a:endParaRPr>
-          </a:p>
-        </p:txBody>
-      </p:sp>
-      <p:sp>
-        <p:nvSpPr>
-          <p:cNvPr id="405" name="Google Shape;405;p39"/>
-          <p:cNvSpPr txBox="1">
-            <a:spLocks noGrp="1"/>
-          </p:cNvSpPr>
-          <p:nvPr>
-            <p:ph type="sldNum" idx="12"/>
-          </p:nvPr>
-        </p:nvSpPr>
-        <p:spPr>
-          <a:xfrm>
-            <a:off x="76608" y="4673142"/>
-            <a:ext cx="548700" cy="393600"/>
-          </a:xfrm>
-          <a:prstGeom prst="rect">
-            <a:avLst/>
-          </a:prstGeom>
-        </p:spPr>
-        <p:txBody>
-          <a:bodyPr spcFirstLastPara="1" wrap="square" lIns="91425" tIns="91425" rIns="91425" bIns="91425" anchor="ctr" anchorCtr="0">
-            <a:noAutofit/>
-          </a:bodyPr>
-          <a:lstStyle/>
-          <a:p>
-            <a:pPr marL="0" lvl="0" indent="0" algn="l" rtl="0">
-              <a:spcBef>
-                <a:spcPts val="0"/>
-              </a:spcBef>
-              <a:spcAft>
-                <a:spcPts val="0"/>
-              </a:spcAft>
-              <a:buNone/>
-            </a:pPr>
-            <a:fld id="{00000000-1234-1234-1234-123412341234}" type="slidenum">
-              <a:rPr lang="en"/>
-              <a:t>20</a:t>
-            </a:fld>
-            <a:endParaRPr/>
-          </a:p>
-        </p:txBody>
-      </p:sp>
-      <p:sp>
-        <p:nvSpPr>
-          <p:cNvPr id="406" name="Google Shape;406;p39"/>
-          <p:cNvSpPr/>
-          <p:nvPr/>
-        </p:nvSpPr>
-        <p:spPr>
-          <a:xfrm>
-            <a:off x="0" y="0"/>
-            <a:ext cx="9144000" cy="328200"/>
-          </a:xfrm>
-          <a:prstGeom prst="rect">
-            <a:avLst/>
-          </a:prstGeom>
-          <a:solidFill>
-            <a:srgbClr val="4272B3"/>
-          </a:solidFill>
-          <a:ln w="9525" cap="flat" cmpd="sng">
-            <a:solidFill>
-              <a:srgbClr val="4272B3"/>
-            </a:solidFill>
-            <a:prstDash val="solid"/>
-            <a:round/>
-            <a:headEnd type="none" w="sm" len="sm"/>
-            <a:tailEnd type="none" w="sm" len="sm"/>
-          </a:ln>
-        </p:spPr>
-        <p:txBody>
-          <a:bodyPr spcFirstLastPara="1" wrap="square" lIns="91425" tIns="91425" rIns="91425" bIns="91425" anchor="ctr" anchorCtr="0">
-            <a:noAutofit/>
-          </a:bodyPr>
-          <a:lstStyle/>
-          <a:p>
-            <a:pPr marL="0" lvl="0" indent="0" algn="l" rtl="0">
-              <a:spcBef>
-                <a:spcPts val="0"/>
-              </a:spcBef>
-              <a:spcAft>
-                <a:spcPts val="0"/>
-              </a:spcAft>
-              <a:buNone/>
-            </a:pPr>
-            <a:endParaRPr/>
-          </a:p>
-        </p:txBody>
-      </p:sp>
-      <p:sp>
-        <p:nvSpPr>
-          <p:cNvPr id="407" name="Google Shape;407;p39"/>
-          <p:cNvSpPr/>
-          <p:nvPr/>
-        </p:nvSpPr>
-        <p:spPr>
-          <a:xfrm>
-            <a:off x="6569400" y="0"/>
-            <a:ext cx="2574600" cy="328200"/>
-          </a:xfrm>
-          <a:prstGeom prst="rect">
-            <a:avLst/>
-          </a:prstGeom>
-          <a:solidFill>
-            <a:srgbClr val="3A68A0"/>
-          </a:solidFill>
-          <a:ln w="9525" cap="flat" cmpd="sng">
-            <a:solidFill>
-              <a:srgbClr val="3A68A0"/>
-            </a:solidFill>
-            <a:prstDash val="solid"/>
-            <a:round/>
-            <a:headEnd type="none" w="sm" len="sm"/>
-            <a:tailEnd type="none" w="sm" len="sm"/>
-          </a:ln>
-        </p:spPr>
-        <p:txBody>
-          <a:bodyPr spcFirstLastPara="1" wrap="square" lIns="91425" tIns="91425" rIns="91425" bIns="91425" anchor="ctr" anchorCtr="0">
-            <a:noAutofit/>
-          </a:bodyPr>
-          <a:lstStyle/>
-          <a:p>
-            <a:pPr marL="0" lvl="0" indent="0" algn="l" rtl="0">
-              <a:spcBef>
-                <a:spcPts val="0"/>
-              </a:spcBef>
-              <a:spcAft>
-                <a:spcPts val="0"/>
-              </a:spcAft>
-              <a:buNone/>
-            </a:pPr>
-            <a:endParaRPr/>
-          </a:p>
-        </p:txBody>
-      </p:sp>
-      <p:pic>
-        <p:nvPicPr>
-          <p:cNvPr id="408" name="Google Shape;408;p39"/>
-          <p:cNvPicPr preferRelativeResize="0"/>
-          <p:nvPr/>
-        </p:nvPicPr>
-        <p:blipFill>
-          <a:blip r:embed="rId4">
-            <a:alphaModFix/>
-          </a:blip>
-          <a:stretch>
-            <a:fillRect/>
-          </a:stretch>
-        </p:blipFill>
-        <p:spPr>
-          <a:xfrm>
-            <a:off x="8281164" y="0"/>
-            <a:ext cx="897087" cy="371225"/>
-          </a:xfrm>
-          <a:prstGeom prst="rect">
-            <a:avLst/>
-          </a:prstGeom>
-          <a:noFill/>
-          <a:ln>
-            <a:noFill/>
-          </a:ln>
-        </p:spPr>
-      </p:pic>
-      <p:sp>
-        <p:nvSpPr>
-          <p:cNvPr id="409" name="Google Shape;409;p39"/>
-          <p:cNvSpPr/>
-          <p:nvPr/>
-        </p:nvSpPr>
-        <p:spPr>
-          <a:xfrm>
-            <a:off x="7010375" y="61200"/>
-            <a:ext cx="1020900" cy="267000"/>
-          </a:xfrm>
-          <a:prstGeom prst="triangle">
-            <a:avLst>
-              <a:gd name="adj" fmla="val 49866"/>
-            </a:avLst>
-          </a:prstGeom>
-          <a:solidFill>
-            <a:srgbClr val="4272B3"/>
-          </a:solidFill>
-          <a:ln w="9525" cap="flat" cmpd="sng">
-            <a:solidFill>
-              <a:srgbClr val="4272B3"/>
-            </a:solidFill>
-            <a:prstDash val="solid"/>
-            <a:round/>
-            <a:headEnd type="none" w="sm" len="sm"/>
-            <a:tailEnd type="none" w="sm" len="sm"/>
-          </a:ln>
-        </p:spPr>
-        <p:txBody>
-          <a:bodyPr spcFirstLastPara="1" wrap="square" lIns="91425" tIns="91425" rIns="91425" bIns="91425" anchor="ctr" anchorCtr="0">
-            <a:noAutofit/>
-          </a:bodyPr>
-          <a:lstStyle/>
-          <a:p>
-            <a:pPr marL="0" lvl="0" indent="0" algn="l" rtl="0">
-              <a:spcBef>
-                <a:spcPts val="0"/>
-              </a:spcBef>
-              <a:spcAft>
-                <a:spcPts val="0"/>
-              </a:spcAft>
-              <a:buNone/>
-            </a:pPr>
-            <a:endParaRPr/>
-          </a:p>
-        </p:txBody>
-      </p:sp>
-      <p:sp>
-        <p:nvSpPr>
-          <p:cNvPr id="410" name="Google Shape;410;p39"/>
-          <p:cNvSpPr/>
-          <p:nvPr/>
-        </p:nvSpPr>
-        <p:spPr>
-          <a:xfrm rot="10800000">
-            <a:off x="5006475" y="0"/>
-            <a:ext cx="2870700" cy="328200"/>
-          </a:xfrm>
-          <a:prstGeom prst="trapezoid">
-            <a:avLst>
-              <a:gd name="adj" fmla="val 190089"/>
-            </a:avLst>
-          </a:prstGeom>
-          <a:solidFill>
-            <a:srgbClr val="122C37"/>
-          </a:solidFill>
-          <a:ln w="9525" cap="flat" cmpd="sng">
-            <a:solidFill>
-              <a:srgbClr val="122C37"/>
-            </a:solidFill>
-            <a:prstDash val="solid"/>
-            <a:round/>
-            <a:headEnd type="none" w="sm" len="sm"/>
-            <a:tailEnd type="none" w="sm" len="sm"/>
-          </a:ln>
-        </p:spPr>
-        <p:txBody>
-          <a:bodyPr spcFirstLastPara="1" wrap="square" lIns="91425" tIns="91425" rIns="91425" bIns="91425" anchor="ctr" anchorCtr="0">
-            <a:noAutofit/>
-          </a:bodyPr>
-          <a:lstStyle/>
-          <a:p>
-            <a:pPr marL="0" lvl="0" indent="0" algn="l" rtl="0">
-              <a:spcBef>
-                <a:spcPts val="0"/>
-              </a:spcBef>
-              <a:spcAft>
-                <a:spcPts val="0"/>
-              </a:spcAft>
-              <a:buNone/>
-            </a:pPr>
-            <a:endParaRPr/>
-          </a:p>
-        </p:txBody>
-      </p:sp>
-    </p:spTree>
-  </p:cSld>
-  <p:clrMapOvr>
-    <a:masterClrMapping/>
-  </p:clrMapOvr>
-</p:sld>
-</file>
-
-<file path=ppt/slides/slide21.xml><?xml version="1.0" encoding="utf-8"?>
-<p:sld xmlns:a="http://schemas.openxmlformats.org/drawingml/2006/main" xmlns:r="http://schemas.openxmlformats.org/officeDocument/2006/relationships" xmlns:p="http://schemas.openxmlformats.org/presentationml/2006/main">
-  <p:cSld>
-    <p:spTree>
-      <p:nvGrpSpPr>
         <p:cNvPr id="1" name="Shape 414"/>
         <p:cNvGrpSpPr/>
         <p:nvPr/>
@@ -17370,7 +16537,7 @@
             </a:pPr>
             <a:fld id="{00000000-1234-1234-1234-123412341234}" type="slidenum">
               <a:rPr lang="en"/>
-              <a:t>21</a:t>
+              <a:t>20</a:t>
             </a:fld>
             <a:endParaRPr/>
           </a:p>
@@ -19536,14 +18703,14 @@
               <a:buNone/>
             </a:pPr>
             <a:r>
-              <a:rPr lang="en" sz="2000">
+              <a:rPr lang="en" sz="2000" dirty="0">
                 <a:solidFill>
                   <a:srgbClr val="3D85C6"/>
                 </a:solidFill>
               </a:rPr>
               <a:t>Microservice architectures have many benefits </a:t>
             </a:r>
-            <a:endParaRPr sz="2000">
+            <a:endParaRPr sz="2000" dirty="0">
               <a:solidFill>
                 <a:srgbClr val="3D85C6"/>
               </a:solidFill>
@@ -19564,14 +18731,14 @@
               <a:buChar char="-"/>
             </a:pPr>
             <a:r>
-              <a:rPr lang="en" sz="2000">
+              <a:rPr lang="en" sz="2000" dirty="0">
                 <a:solidFill>
                   <a:srgbClr val="3D85C6"/>
                 </a:solidFill>
               </a:rPr>
               <a:t>Quickly iterate and release frequently</a:t>
             </a:r>
-            <a:endParaRPr sz="2000">
+            <a:endParaRPr sz="2000" dirty="0">
               <a:solidFill>
                 <a:srgbClr val="3D85C6"/>
               </a:solidFill>
@@ -19592,14 +18759,14 @@
               <a:buChar char="-"/>
             </a:pPr>
             <a:r>
-              <a:rPr lang="en" sz="2000">
+              <a:rPr lang="en" sz="2000" dirty="0">
                 <a:solidFill>
                   <a:srgbClr val="3D85C6"/>
                 </a:solidFill>
               </a:rPr>
               <a:t>Easy for new devs to join and be productive</a:t>
             </a:r>
-            <a:endParaRPr sz="2000">
+            <a:endParaRPr sz="2000" dirty="0">
               <a:solidFill>
                 <a:srgbClr val="3D85C6"/>
               </a:solidFill>
@@ -19620,14 +18787,14 @@
               <a:buChar char="-"/>
             </a:pPr>
             <a:r>
-              <a:rPr lang="en" sz="2000">
+              <a:rPr lang="en" sz="2000" dirty="0">
                 <a:solidFill>
                   <a:srgbClr val="3D85C6"/>
                 </a:solidFill>
               </a:rPr>
               <a:t>Increased developer velocity</a:t>
             </a:r>
-            <a:endParaRPr sz="2000">
+            <a:endParaRPr sz="2000" dirty="0">
               <a:solidFill>
                 <a:srgbClr val="3D85C6"/>
               </a:solidFill>
@@ -19648,14 +18815,14 @@
               <a:buChar char="-"/>
             </a:pPr>
             <a:r>
-              <a:rPr lang="en" sz="2000">
+              <a:rPr lang="en" sz="2000" dirty="0">
                 <a:solidFill>
                   <a:srgbClr val="3D85C6"/>
                 </a:solidFill>
               </a:rPr>
               <a:t>Shorter test cycles</a:t>
             </a:r>
-            <a:endParaRPr sz="2000">
+            <a:endParaRPr sz="2000" dirty="0">
               <a:solidFill>
                 <a:srgbClr val="3D85C6"/>
               </a:solidFill>
@@ -19676,14 +18843,14 @@
               <a:buChar char="-"/>
             </a:pPr>
             <a:r>
-              <a:rPr lang="en" sz="2000">
+              <a:rPr lang="en" sz="2000" dirty="0">
                 <a:solidFill>
                   <a:srgbClr val="3D85C6"/>
                 </a:solidFill>
               </a:rPr>
               <a:t>Polyglot becomes reality</a:t>
             </a:r>
-            <a:endParaRPr sz="2000">
+            <a:endParaRPr sz="2000" dirty="0">
               <a:solidFill>
                 <a:srgbClr val="3D85C6"/>
               </a:solidFill>
@@ -19704,14 +18871,14 @@
               <a:buChar char="-"/>
             </a:pPr>
             <a:r>
-              <a:rPr lang="en" sz="2000">
+              <a:rPr lang="en" sz="2000" dirty="0">
                 <a:solidFill>
                   <a:srgbClr val="3D85C6"/>
                 </a:solidFill>
               </a:rPr>
               <a:t>Independently scalable components</a:t>
             </a:r>
-            <a:endParaRPr sz="2000">
+            <a:endParaRPr sz="2000" dirty="0">
               <a:solidFill>
                 <a:srgbClr val="3D85C6"/>
               </a:solidFill>
@@ -19727,7 +18894,7 @@
               </a:spcAft>
               <a:buNone/>
             </a:pPr>
-            <a:endParaRPr sz="2000">
+            <a:endParaRPr sz="2000" dirty="0">
               <a:solidFill>
                 <a:srgbClr val="3D85C6"/>
               </a:solidFill>
@@ -19743,7 +18910,7 @@
               </a:spcAft>
               <a:buNone/>
             </a:pPr>
-            <a:endParaRPr sz="2000">
+            <a:endParaRPr sz="2000" dirty="0">
               <a:solidFill>
                 <a:srgbClr val="3D85C6"/>
               </a:solidFill>
@@ -19760,14 +18927,14 @@
               <a:buNone/>
             </a:pPr>
             <a:r>
-              <a:rPr lang="en" sz="2000">
+              <a:rPr lang="en" sz="2000" dirty="0">
                 <a:solidFill>
                   <a:srgbClr val="3D85C6"/>
                 </a:solidFill>
               </a:rPr>
               <a:t> </a:t>
             </a:r>
-            <a:endParaRPr sz="2000">
+            <a:endParaRPr sz="2000" dirty="0">
               <a:solidFill>
                 <a:srgbClr val="3D85C6"/>
               </a:solidFill>
